--- a/presentation.pptx
+++ b/presentation.pptx
@@ -17859,7 +17859,12 @@
             <p:ph type="title"/>
           </p:nvPr>
         </p:nvSpPr>
-        <p:spPr/>
+        <p:spPr>
+          <a:xfrm>
+            <a:off x="669289" y="1"/>
+            <a:ext cx="10850563" cy="1028699"/>
+          </a:xfrm>
+        </p:spPr>
         <p:txBody>
           <a:bodyPr/>
           <a:lstStyle/>
@@ -18600,30 +18605,6 @@
           </a:p>
         </p:txBody>
       </p:sp>
-      <p:pic>
-        <p:nvPicPr>
-          <p:cNvPr id="10" name="图片 9"/>
-          <p:cNvPicPr>
-            <a:picLocks noChangeAspect="1"/>
-          </p:cNvPicPr>
-          <p:nvPr/>
-        </p:nvPicPr>
-        <p:blipFill>
-          <a:blip r:embed="rId1"/>
-          <a:stretch>
-            <a:fillRect/>
-          </a:stretch>
-        </p:blipFill>
-        <p:spPr>
-          <a:xfrm>
-            <a:off x="5126990" y="1266190"/>
-            <a:ext cx="6715125" cy="3055620"/>
-          </a:xfrm>
-          <a:prstGeom prst="rect">
-            <a:avLst/>
-          </a:prstGeom>
-        </p:spPr>
-      </p:pic>
       <p:sp>
         <p:nvSpPr>
           <p:cNvPr id="12" name="圆角矩形 11"/>
@@ -18671,6 +18652,47 @@
           </a:p>
         </p:txBody>
       </p:sp>
+      <p:pic>
+        <p:nvPicPr>
+          <p:cNvPr id="7" name="图片 6"/>
+          <p:cNvPicPr>
+            <a:picLocks noChangeAspect="1" noChangeArrowheads="1"/>
+          </p:cNvPicPr>
+          <p:nvPr/>
+        </p:nvPicPr>
+        <p:blipFill>
+          <a:blip r:embed="rId1">
+            <a:extLst>
+              <a:ext uri="{28A0092B-C50C-407E-A947-70E740481C1C}">
+                <a14:useLocalDpi xmlns:a14="http://schemas.microsoft.com/office/drawing/2010/main" val="0"/>
+              </a:ext>
+            </a:extLst>
+          </a:blip>
+          <a:srcRect/>
+          <a:stretch>
+            <a:fillRect/>
+          </a:stretch>
+        </p:blipFill>
+        <p:spPr bwMode="auto">
+          <a:xfrm>
+            <a:off x="5093970" y="1192530"/>
+            <a:ext cx="6753225" cy="3159125"/>
+          </a:xfrm>
+          <a:prstGeom prst="rect">
+            <a:avLst/>
+          </a:prstGeom>
+          <a:noFill/>
+          <a:extLst>
+            <a:ext uri="{909E8E84-426E-40DD-AFC4-6F175D3DCCD1}">
+              <a14:hiddenFill xmlns:a14="http://schemas.microsoft.com/office/drawing/2010/main">
+                <a:solidFill>
+                  <a:srgbClr val="FFFFFF"/>
+                </a:solidFill>
+              </a14:hiddenFill>
+            </a:ext>
+          </a:extLst>
+        </p:spPr>
+      </p:pic>
     </p:spTree>
   </p:cSld>
   <p:clrMapOvr>
